--- a/img/Join now.pptx
+++ b/img/Join now.pptx
@@ -104,6 +104,11 @@
       </a:defRPr>
     </a:lvl9pPr>
   </p:defaultTextStyle>
+  <p:extLst>
+    <p:ext uri="{EFAFB233-063F-42B5-8137-9DF3F51BA10A}">
+      <p15:sldGuideLst xmlns:p15="http://schemas.microsoft.com/office/powerpoint/2012/main"/>
+    </p:ext>
+  </p:extLst>
 </p:presentation>
 </file>
 
@@ -238,7 +243,7 @@
           <a:p>
             <a:fld id="{8895F7B0-8DA6-41A5-BCD7-2C8DC5C1C314}" type="datetimeFigureOut">
               <a:rPr lang="en-IN" smtClean="0"/>
-              <a:t>11-20-2024</a:t>
+              <a:t>12-03-2024</a:t>
             </a:fld>
             <a:endParaRPr lang="en-IN"/>
           </a:p>
@@ -408,7 +413,7 @@
           <a:p>
             <a:fld id="{8895F7B0-8DA6-41A5-BCD7-2C8DC5C1C314}" type="datetimeFigureOut">
               <a:rPr lang="en-IN" smtClean="0"/>
-              <a:t>11-20-2024</a:t>
+              <a:t>12-03-2024</a:t>
             </a:fld>
             <a:endParaRPr lang="en-IN"/>
           </a:p>
@@ -588,7 +593,7 @@
           <a:p>
             <a:fld id="{8895F7B0-8DA6-41A5-BCD7-2C8DC5C1C314}" type="datetimeFigureOut">
               <a:rPr lang="en-IN" smtClean="0"/>
-              <a:t>11-20-2024</a:t>
+              <a:t>12-03-2024</a:t>
             </a:fld>
             <a:endParaRPr lang="en-IN"/>
           </a:p>
@@ -758,7 +763,7 @@
           <a:p>
             <a:fld id="{8895F7B0-8DA6-41A5-BCD7-2C8DC5C1C314}" type="datetimeFigureOut">
               <a:rPr lang="en-IN" smtClean="0"/>
-              <a:t>11-20-2024</a:t>
+              <a:t>12-03-2024</a:t>
             </a:fld>
             <a:endParaRPr lang="en-IN"/>
           </a:p>
@@ -1004,7 +1009,7 @@
           <a:p>
             <a:fld id="{8895F7B0-8DA6-41A5-BCD7-2C8DC5C1C314}" type="datetimeFigureOut">
               <a:rPr lang="en-IN" smtClean="0"/>
-              <a:t>11-20-2024</a:t>
+              <a:t>12-03-2024</a:t>
             </a:fld>
             <a:endParaRPr lang="en-IN"/>
           </a:p>
@@ -1236,7 +1241,7 @@
           <a:p>
             <a:fld id="{8895F7B0-8DA6-41A5-BCD7-2C8DC5C1C314}" type="datetimeFigureOut">
               <a:rPr lang="en-IN" smtClean="0"/>
-              <a:t>11-20-2024</a:t>
+              <a:t>12-03-2024</a:t>
             </a:fld>
             <a:endParaRPr lang="en-IN"/>
           </a:p>
@@ -1603,7 +1608,7 @@
           <a:p>
             <a:fld id="{8895F7B0-8DA6-41A5-BCD7-2C8DC5C1C314}" type="datetimeFigureOut">
               <a:rPr lang="en-IN" smtClean="0"/>
-              <a:t>11-20-2024</a:t>
+              <a:t>12-03-2024</a:t>
             </a:fld>
             <a:endParaRPr lang="en-IN"/>
           </a:p>
@@ -1721,7 +1726,7 @@
           <a:p>
             <a:fld id="{8895F7B0-8DA6-41A5-BCD7-2C8DC5C1C314}" type="datetimeFigureOut">
               <a:rPr lang="en-IN" smtClean="0"/>
-              <a:t>11-20-2024</a:t>
+              <a:t>12-03-2024</a:t>
             </a:fld>
             <a:endParaRPr lang="en-IN"/>
           </a:p>
@@ -1816,7 +1821,7 @@
           <a:p>
             <a:fld id="{8895F7B0-8DA6-41A5-BCD7-2C8DC5C1C314}" type="datetimeFigureOut">
               <a:rPr lang="en-IN" smtClean="0"/>
-              <a:t>11-20-2024</a:t>
+              <a:t>12-03-2024</a:t>
             </a:fld>
             <a:endParaRPr lang="en-IN"/>
           </a:p>
@@ -2093,7 +2098,7 @@
           <a:p>
             <a:fld id="{8895F7B0-8DA6-41A5-BCD7-2C8DC5C1C314}" type="datetimeFigureOut">
               <a:rPr lang="en-IN" smtClean="0"/>
-              <a:t>11-20-2024</a:t>
+              <a:t>12-03-2024</a:t>
             </a:fld>
             <a:endParaRPr lang="en-IN"/>
           </a:p>
@@ -2346,7 +2351,7 @@
           <a:p>
             <a:fld id="{8895F7B0-8DA6-41A5-BCD7-2C8DC5C1C314}" type="datetimeFigureOut">
               <a:rPr lang="en-IN" smtClean="0"/>
-              <a:t>11-20-2024</a:t>
+              <a:t>12-03-2024</a:t>
             </a:fld>
             <a:endParaRPr lang="en-IN"/>
           </a:p>
@@ -2559,7 +2564,7 @@
           <a:p>
             <a:fld id="{8895F7B0-8DA6-41A5-BCD7-2C8DC5C1C314}" type="datetimeFigureOut">
               <a:rPr lang="en-IN" smtClean="0"/>
-              <a:t>11-20-2024</a:t>
+              <a:t>12-03-2024</a:t>
             </a:fld>
             <a:endParaRPr lang="en-IN"/>
           </a:p>
@@ -2953,7 +2958,7 @@
     <p:bg>
       <p:bgPr>
         <a:solidFill>
-          <a:schemeClr val="bg1"/>
+          <a:srgbClr val="FFD361"/>
         </a:solidFill>
         <a:effectLst/>
       </p:bgPr>
@@ -2972,54 +2977,16 @@
           <a:chExt cx="0" cy="0"/>
         </a:xfrm>
       </p:grpSpPr>
-      <p:sp>
-        <p:nvSpPr>
-          <p:cNvPr id="2" name="Title 1"/>
-          <p:cNvSpPr>
-            <a:spLocks noGrp="1"/>
-          </p:cNvSpPr>
-          <p:nvPr>
-            <p:ph type="ctrTitle"/>
-          </p:nvPr>
-        </p:nvSpPr>
-        <p:spPr/>
-        <p:txBody>
-          <a:bodyPr/>
-          <a:lstStyle/>
-          <a:p>
-            <a:endParaRPr lang="en-IN" dirty="0"/>
-          </a:p>
-        </p:txBody>
-      </p:sp>
-      <p:sp>
-        <p:nvSpPr>
-          <p:cNvPr id="3" name="Subtitle 2"/>
-          <p:cNvSpPr>
-            <a:spLocks noGrp="1"/>
-          </p:cNvSpPr>
-          <p:nvPr>
-            <p:ph type="subTitle" idx="1"/>
-          </p:nvPr>
-        </p:nvSpPr>
-        <p:spPr/>
-        <p:txBody>
-          <a:bodyPr/>
-          <a:lstStyle/>
-          <a:p>
-            <a:endParaRPr lang="en-IN"/>
-          </a:p>
-        </p:txBody>
-      </p:sp>
       <p:pic>
         <p:nvPicPr>
-          <p:cNvPr id="4" name="Picture 3"/>
+          <p:cNvPr id="5" name="Picture 4"/>
           <p:cNvPicPr>
             <a:picLocks noChangeAspect="1"/>
           </p:cNvPicPr>
           <p:nvPr/>
         </p:nvPicPr>
         <p:blipFill>
-          <a:blip r:embed="rId2">
+          <a:blip r:embed="rId2" cstate="print">
             <a:extLst>
               <a:ext uri="{28A0092B-C50C-407E-A947-70E740481C1C}">
                 <a14:useLocalDpi xmlns:a14="http://schemas.microsoft.com/office/drawing/2010/main" val="0"/>
@@ -3032,8 +2999,8 @@
         </p:blipFill>
         <p:spPr>
           <a:xfrm>
-            <a:off x="-231107" y="-46824"/>
-            <a:ext cx="10661296" cy="6937318"/>
+            <a:off x="2028115" y="1222901"/>
+            <a:ext cx="3878641" cy="999499"/>
           </a:xfrm>
           <a:prstGeom prst="rect">
             <a:avLst/>
@@ -3042,7 +3009,7 @@
       </p:pic>
       <p:pic>
         <p:nvPicPr>
-          <p:cNvPr id="5" name="Picture 4"/>
+          <p:cNvPr id="6" name="Picture 5"/>
           <p:cNvPicPr>
             <a:picLocks noChangeAspect="1"/>
           </p:cNvPicPr>
@@ -3062,37 +3029,7 @@
         </p:blipFill>
         <p:spPr>
           <a:xfrm>
-            <a:off x="6310388" y="1469595"/>
-            <a:ext cx="3878641" cy="999499"/>
-          </a:xfrm>
-          <a:prstGeom prst="rect">
-            <a:avLst/>
-          </a:prstGeom>
-        </p:spPr>
-      </p:pic>
-      <p:pic>
-        <p:nvPicPr>
-          <p:cNvPr id="6" name="Picture 5"/>
-          <p:cNvPicPr>
-            <a:picLocks noChangeAspect="1"/>
-          </p:cNvPicPr>
-          <p:nvPr/>
-        </p:nvPicPr>
-        <p:blipFill>
-          <a:blip r:embed="rId4" cstate="print">
-            <a:extLst>
-              <a:ext uri="{28A0092B-C50C-407E-A947-70E740481C1C}">
-                <a14:useLocalDpi xmlns:a14="http://schemas.microsoft.com/office/drawing/2010/main" val="0"/>
-              </a:ext>
-            </a:extLst>
-          </a:blip>
-          <a:stretch>
-            <a:fillRect/>
-          </a:stretch>
-        </p:blipFill>
-        <p:spPr>
-          <a:xfrm>
-            <a:off x="7155983" y="5513962"/>
+            <a:off x="2388397" y="5267268"/>
             <a:ext cx="3158077" cy="1344038"/>
           </a:xfrm>
           <a:prstGeom prst="rect">
@@ -3108,7 +3045,7 @@
         </p:nvGrpSpPr>
         <p:grpSpPr>
           <a:xfrm>
-            <a:off x="6953455" y="246694"/>
+            <a:off x="2183852" y="0"/>
             <a:ext cx="3567166" cy="1323439"/>
             <a:chOff x="6826407" y="0"/>
             <a:chExt cx="3567166" cy="1323439"/>
@@ -3295,7 +3232,7 @@
         </p:nvGrpSpPr>
         <p:grpSpPr>
           <a:xfrm>
-            <a:off x="7604589" y="2852804"/>
+            <a:off x="2645069" y="2606110"/>
             <a:ext cx="2644733" cy="1692771"/>
             <a:chOff x="7705069" y="2852804"/>
             <a:chExt cx="2644733" cy="1692771"/>
@@ -3420,7 +3357,7 @@
             <p:nvPr/>
           </p:nvPicPr>
           <p:blipFill rotWithShape="1">
-            <a:blip r:embed="rId4" cstate="print">
+            <a:blip r:embed="rId3" cstate="print">
               <a:extLst>
                 <a:ext uri="{28A0092B-C50C-407E-A947-70E740481C1C}">
                   <a14:useLocalDpi xmlns:a14="http://schemas.microsoft.com/office/drawing/2010/main" val="0"/>
@@ -3449,7 +3386,7 @@
         </p:nvGrpSpPr>
         <p:grpSpPr>
           <a:xfrm>
-            <a:off x="7100834" y="4648598"/>
+            <a:off x="2183852" y="4401904"/>
             <a:ext cx="3567166" cy="783594"/>
             <a:chOff x="6826407" y="408630"/>
             <a:chExt cx="3567166" cy="783594"/>
@@ -3622,6 +3559,274 @@
           </p:txBody>
         </p:sp>
       </p:grpSp>
+      <p:pic>
+        <p:nvPicPr>
+          <p:cNvPr id="16" name="Picture 15"/>
+          <p:cNvPicPr>
+            <a:picLocks noChangeAspect="1"/>
+          </p:cNvPicPr>
+          <p:nvPr/>
+        </p:nvPicPr>
+        <p:blipFill>
+          <a:blip r:embed="rId4">
+            <a:extLst>
+              <a:ext uri="{28A0092B-C50C-407E-A947-70E740481C1C}">
+                <a14:useLocalDpi xmlns:a14="http://schemas.microsoft.com/office/drawing/2010/main" val="0"/>
+              </a:ext>
+            </a:extLst>
+          </a:blip>
+          <a:stretch>
+            <a:fillRect/>
+          </a:stretch>
+        </p:blipFill>
+        <p:spPr>
+          <a:xfrm>
+            <a:off x="5411390" y="112272"/>
+            <a:ext cx="4124325" cy="5495925"/>
+          </a:xfrm>
+          <a:prstGeom prst="rect">
+            <a:avLst/>
+          </a:prstGeom>
+        </p:spPr>
+      </p:pic>
+      <p:sp>
+        <p:nvSpPr>
+          <p:cNvPr id="17" name="Rectangle 16"/>
+          <p:cNvSpPr/>
+          <p:nvPr/>
+        </p:nvSpPr>
+        <p:spPr>
+          <a:xfrm>
+            <a:off x="6177280" y="5435600"/>
+            <a:ext cx="3007360" cy="1422400"/>
+          </a:xfrm>
+          <a:custGeom>
+            <a:avLst/>
+            <a:gdLst>
+              <a:gd name="connsiteX0" fmla="*/ 0 w 3007360"/>
+              <a:gd name="connsiteY0" fmla="*/ 0 h 1391920"/>
+              <a:gd name="connsiteX1" fmla="*/ 3007360 w 3007360"/>
+              <a:gd name="connsiteY1" fmla="*/ 0 h 1391920"/>
+              <a:gd name="connsiteX2" fmla="*/ 3007360 w 3007360"/>
+              <a:gd name="connsiteY2" fmla="*/ 1391920 h 1391920"/>
+              <a:gd name="connsiteX3" fmla="*/ 0 w 3007360"/>
+              <a:gd name="connsiteY3" fmla="*/ 1391920 h 1391920"/>
+              <a:gd name="connsiteX4" fmla="*/ 0 w 3007360"/>
+              <a:gd name="connsiteY4" fmla="*/ 0 h 1391920"/>
+              <a:gd name="connsiteX0" fmla="*/ 731520 w 3007360"/>
+              <a:gd name="connsiteY0" fmla="*/ 0 h 1391920"/>
+              <a:gd name="connsiteX1" fmla="*/ 3007360 w 3007360"/>
+              <a:gd name="connsiteY1" fmla="*/ 0 h 1391920"/>
+              <a:gd name="connsiteX2" fmla="*/ 3007360 w 3007360"/>
+              <a:gd name="connsiteY2" fmla="*/ 1391920 h 1391920"/>
+              <a:gd name="connsiteX3" fmla="*/ 0 w 3007360"/>
+              <a:gd name="connsiteY3" fmla="*/ 1391920 h 1391920"/>
+              <a:gd name="connsiteX4" fmla="*/ 731520 w 3007360"/>
+              <a:gd name="connsiteY4" fmla="*/ 0 h 1391920"/>
+              <a:gd name="connsiteX0" fmla="*/ 731520 w 3007360"/>
+              <a:gd name="connsiteY0" fmla="*/ 0 h 1391920"/>
+              <a:gd name="connsiteX1" fmla="*/ 2377440 w 3007360"/>
+              <a:gd name="connsiteY1" fmla="*/ 0 h 1391920"/>
+              <a:gd name="connsiteX2" fmla="*/ 3007360 w 3007360"/>
+              <a:gd name="connsiteY2" fmla="*/ 1391920 h 1391920"/>
+              <a:gd name="connsiteX3" fmla="*/ 0 w 3007360"/>
+              <a:gd name="connsiteY3" fmla="*/ 1391920 h 1391920"/>
+              <a:gd name="connsiteX4" fmla="*/ 731520 w 3007360"/>
+              <a:gd name="connsiteY4" fmla="*/ 0 h 1391920"/>
+              <a:gd name="connsiteX0" fmla="*/ 365760 w 3007360"/>
+              <a:gd name="connsiteY0" fmla="*/ 0 h 1422400"/>
+              <a:gd name="connsiteX1" fmla="*/ 2377440 w 3007360"/>
+              <a:gd name="connsiteY1" fmla="*/ 30480 h 1422400"/>
+              <a:gd name="connsiteX2" fmla="*/ 3007360 w 3007360"/>
+              <a:gd name="connsiteY2" fmla="*/ 1422400 h 1422400"/>
+              <a:gd name="connsiteX3" fmla="*/ 0 w 3007360"/>
+              <a:gd name="connsiteY3" fmla="*/ 1422400 h 1422400"/>
+              <a:gd name="connsiteX4" fmla="*/ 365760 w 3007360"/>
+              <a:gd name="connsiteY4" fmla="*/ 0 h 1422400"/>
+              <a:gd name="connsiteX0" fmla="*/ 365760 w 3007360"/>
+              <a:gd name="connsiteY0" fmla="*/ 0 h 1422400"/>
+              <a:gd name="connsiteX1" fmla="*/ 2733040 w 3007360"/>
+              <a:gd name="connsiteY1" fmla="*/ 50800 h 1422400"/>
+              <a:gd name="connsiteX2" fmla="*/ 3007360 w 3007360"/>
+              <a:gd name="connsiteY2" fmla="*/ 1422400 h 1422400"/>
+              <a:gd name="connsiteX3" fmla="*/ 0 w 3007360"/>
+              <a:gd name="connsiteY3" fmla="*/ 1422400 h 1422400"/>
+              <a:gd name="connsiteX4" fmla="*/ 365760 w 3007360"/>
+              <a:gd name="connsiteY4" fmla="*/ 0 h 1422400"/>
+              <a:gd name="connsiteX0" fmla="*/ 365760 w 3007360"/>
+              <a:gd name="connsiteY0" fmla="*/ 0 h 1422400"/>
+              <a:gd name="connsiteX1" fmla="*/ 2722880 w 3007360"/>
+              <a:gd name="connsiteY1" fmla="*/ 30480 h 1422400"/>
+              <a:gd name="connsiteX2" fmla="*/ 3007360 w 3007360"/>
+              <a:gd name="connsiteY2" fmla="*/ 1422400 h 1422400"/>
+              <a:gd name="connsiteX3" fmla="*/ 0 w 3007360"/>
+              <a:gd name="connsiteY3" fmla="*/ 1422400 h 1422400"/>
+              <a:gd name="connsiteX4" fmla="*/ 365760 w 3007360"/>
+              <a:gd name="connsiteY4" fmla="*/ 0 h 1422400"/>
+              <a:gd name="connsiteX0" fmla="*/ 365760 w 3007360"/>
+              <a:gd name="connsiteY0" fmla="*/ 0 h 1422400"/>
+              <a:gd name="connsiteX1" fmla="*/ 2722880 w 3007360"/>
+              <a:gd name="connsiteY1" fmla="*/ 0 h 1422400"/>
+              <a:gd name="connsiteX2" fmla="*/ 3007360 w 3007360"/>
+              <a:gd name="connsiteY2" fmla="*/ 1422400 h 1422400"/>
+              <a:gd name="connsiteX3" fmla="*/ 0 w 3007360"/>
+              <a:gd name="connsiteY3" fmla="*/ 1422400 h 1422400"/>
+              <a:gd name="connsiteX4" fmla="*/ 365760 w 3007360"/>
+              <a:gd name="connsiteY4" fmla="*/ 0 h 1422400"/>
+            </a:gdLst>
+            <a:ahLst/>
+            <a:cxnLst>
+              <a:cxn ang="0">
+                <a:pos x="connsiteX0" y="connsiteY0"/>
+              </a:cxn>
+              <a:cxn ang="0">
+                <a:pos x="connsiteX1" y="connsiteY1"/>
+              </a:cxn>
+              <a:cxn ang="0">
+                <a:pos x="connsiteX2" y="connsiteY2"/>
+              </a:cxn>
+              <a:cxn ang="0">
+                <a:pos x="connsiteX3" y="connsiteY3"/>
+              </a:cxn>
+              <a:cxn ang="0">
+                <a:pos x="connsiteX4" y="connsiteY4"/>
+              </a:cxn>
+            </a:cxnLst>
+            <a:rect l="l" t="t" r="r" b="b"/>
+            <a:pathLst>
+              <a:path w="3007360" h="1422400">
+                <a:moveTo>
+                  <a:pt x="365760" y="0"/>
+                </a:moveTo>
+                <a:lnTo>
+                  <a:pt x="2722880" y="0"/>
+                </a:lnTo>
+                <a:lnTo>
+                  <a:pt x="3007360" y="1422400"/>
+                </a:lnTo>
+                <a:lnTo>
+                  <a:pt x="0" y="1422400"/>
+                </a:lnTo>
+                <a:lnTo>
+                  <a:pt x="365760" y="0"/>
+                </a:lnTo>
+                <a:close/>
+              </a:path>
+            </a:pathLst>
+          </a:custGeom>
+          <a:solidFill>
+            <a:srgbClr val="FECB56"/>
+          </a:solidFill>
+        </p:spPr>
+        <p:style>
+          <a:lnRef idx="2">
+            <a:schemeClr val="accent1">
+              <a:shade val="50000"/>
+            </a:schemeClr>
+          </a:lnRef>
+          <a:fillRef idx="1">
+            <a:schemeClr val="accent1"/>
+          </a:fillRef>
+          <a:effectRef idx="0">
+            <a:schemeClr val="accent1"/>
+          </a:effectRef>
+          <a:fontRef idx="minor">
+            <a:schemeClr val="lt1"/>
+          </a:fontRef>
+        </p:style>
+        <p:txBody>
+          <a:bodyPr rtlCol="0" anchor="ctr"/>
+          <a:lstStyle/>
+          <a:p>
+            <a:pPr algn="ctr"/>
+            <a:endParaRPr lang="en-IN"/>
+          </a:p>
+        </p:txBody>
+      </p:sp>
+      <p:pic>
+        <p:nvPicPr>
+          <p:cNvPr id="18" name="Picture 17"/>
+          <p:cNvPicPr>
+            <a:picLocks noChangeAspect="1"/>
+          </p:cNvPicPr>
+          <p:nvPr/>
+        </p:nvPicPr>
+        <p:blipFill>
+          <a:blip r:embed="rId5" cstate="print">
+            <a:extLst>
+              <a:ext uri="{28A0092B-C50C-407E-A947-70E740481C1C}">
+                <a14:useLocalDpi xmlns:a14="http://schemas.microsoft.com/office/drawing/2010/main" val="0"/>
+              </a:ext>
+            </a:extLst>
+          </a:blip>
+          <a:stretch>
+            <a:fillRect/>
+          </a:stretch>
+        </p:blipFill>
+        <p:spPr>
+          <a:xfrm>
+            <a:off x="7023347" y="5489187"/>
+            <a:ext cx="1315227" cy="1315227"/>
+          </a:xfrm>
+          <a:prstGeom prst="rect">
+            <a:avLst/>
+          </a:prstGeom>
+        </p:spPr>
+      </p:pic>
+      <p:sp>
+        <p:nvSpPr>
+          <p:cNvPr id="19" name="Rectangle 18"/>
+          <p:cNvSpPr/>
+          <p:nvPr/>
+        </p:nvSpPr>
+        <p:spPr>
+          <a:xfrm rot="180497">
+            <a:off x="7117297" y="3065208"/>
+            <a:ext cx="971610" cy="211455"/>
+          </a:xfrm>
+          <a:prstGeom prst="rect">
+            <a:avLst/>
+          </a:prstGeom>
+          <a:solidFill>
+            <a:srgbClr val="6D0035"/>
+          </a:solidFill>
+          <a:ln>
+            <a:noFill/>
+          </a:ln>
+        </p:spPr>
+        <p:style>
+          <a:lnRef idx="2">
+            <a:schemeClr val="accent1">
+              <a:shade val="50000"/>
+            </a:schemeClr>
+          </a:lnRef>
+          <a:fillRef idx="1">
+            <a:schemeClr val="accent1"/>
+          </a:fillRef>
+          <a:effectRef idx="0">
+            <a:schemeClr val="accent1"/>
+          </a:effectRef>
+          <a:fontRef idx="minor">
+            <a:schemeClr val="lt1"/>
+          </a:fontRef>
+        </p:style>
+        <p:txBody>
+          <a:bodyPr rtlCol="0" anchor="ctr"/>
+          <a:lstStyle/>
+          <a:p>
+            <a:pPr algn="ctr"/>
+            <a:r>
+              <a:rPr lang="en-US" sz="1200" u="sng" dirty="0" smtClean="0">
+                <a:latin typeface="Archivo Narrow" panose="020B0506020202020B04" pitchFamily="34" charset="0"/>
+              </a:rPr>
+              <a:t>Pi Classes</a:t>
+            </a:r>
+            <a:endParaRPr lang="en-IN" sz="1200" u="sng" dirty="0">
+              <a:latin typeface="Archivo Narrow" panose="020B0506020202020B04" pitchFamily="34" charset="0"/>
+            </a:endParaRPr>
+          </a:p>
+        </p:txBody>
+      </p:sp>
     </p:spTree>
     <p:extLst>
       <p:ext uri="{BB962C8B-B14F-4D97-AF65-F5344CB8AC3E}">
